--- a/Knockout.jsのマイ運用方針.pptx
+++ b/Knockout.jsのマイ運用方針.pptx
@@ -5542,14 +5542,14 @@
             <a:avLst/>
           </a:prstGeom>
           <a:solidFill>
-            <a:srgbClr val="D9D9D9"/>
+            <a:srgbClr val="EFEFEF"/>
           </a:solidFill>
           <a:ln>
             <a:noFill/>
           </a:ln>
         </p:spPr>
         <p:txBody>
-          <a:bodyPr anchorCtr="0" anchor="t" bIns="91425" lIns="91425" rIns="91425" tIns="91425">
+          <a:bodyPr anchorCtr="0" anchor="ctr" bIns="91425" lIns="91425" rIns="91425" tIns="91425">
             <a:noAutofit/>
           </a:bodyPr>
           <a:lstStyle/>
@@ -5847,7 +5847,7 @@
             <a:avLst/>
           </a:prstGeom>
           <a:solidFill>
-            <a:srgbClr val="D9D9D9"/>
+            <a:srgbClr val="EFEFEF"/>
           </a:solidFill>
           <a:ln>
             <a:noFill/>
@@ -5878,7 +5878,7 @@
                 <a:cs typeface="HiraMaruProN-W4"/>
                 <a:sym typeface="HiraMaruProN-W4"/>
               </a:rPr>
-              <a:t>// テキストボックスの内容がViewModelのtextに反映される</a:t>
+              <a:t>// テキストボックスの内容がViewModelのtextに反映されていることを確認してみる</a:t>
             </a:r>
           </a:p>
           <a:p>
@@ -6189,7 +6189,7 @@
                 <a:cs typeface="HiraMaruProN-W4"/>
                 <a:sym typeface="HiraMaruProN-W4"/>
               </a:rPr>
-              <a:t>イベントが発生して、javascript処理が実行される。その際にViewModelなどが編集されることで、UIも同時に更新される</a:t>
+              <a:t>何らかのイベントが発生して、javascript処理が実行される。その際にViewModelなどが編集されることで、UIも同時に更新される</a:t>
             </a:r>
           </a:p>
         </p:txBody>
@@ -6203,13 +6203,13 @@
         <p:spPr>
           <a:xfrm>
             <a:off x="418775" y="2285675"/>
-            <a:ext cx="8183999" cy="831000"/>
+            <a:ext cx="8183999" cy="1267800"/>
           </a:xfrm>
           <a:prstGeom prst="rect">
             <a:avLst/>
           </a:prstGeom>
           <a:solidFill>
-            <a:srgbClr val="D9D9D9"/>
+            <a:srgbClr val="EFEFEF"/>
           </a:solidFill>
           <a:ln>
             <a:noFill/>
@@ -6240,7 +6240,7 @@
                 <a:cs typeface="HiraMaruProN-W4"/>
                 <a:sym typeface="HiraMaruProN-W4"/>
               </a:rPr>
-              <a:t>// テキストボックスの内容をViewModel経由で更新する</a:t>
+              <a:t>// フォーカスアウト時にイベントをハンドリング</a:t>
             </a:r>
           </a:p>
           <a:p>
@@ -6263,7 +6263,76 @@
                 <a:cs typeface="HiraMaruProN-W4"/>
                 <a:sym typeface="HiraMaruProN-W4"/>
               </a:rPr>
-              <a:t>myViewModelObs.text("Text Box Change!");</a:t>
+              <a:t>$("input[name=text]").on("blur", function() {</a:t>
+            </a:r>
+          </a:p>
+          <a:p>
+            <a:pPr lvl="0" rtl="0">
+              <a:lnSpc>
+                <a:spcPct val="115000"/>
+              </a:lnSpc>
+              <a:spcBef>
+                <a:spcPts val="0"/>
+              </a:spcBef>
+              <a:buNone/>
+            </a:pPr>
+            <a:r>
+              <a:rPr lang="ja" sz="1050">
+                <a:solidFill>
+                  <a:srgbClr val="434343"/>
+                </a:solidFill>
+                <a:latin typeface="HiraMaruProN-W4"/>
+                <a:ea typeface="HiraMaruProN-W4"/>
+                <a:cs typeface="HiraMaruProN-W4"/>
+                <a:sym typeface="HiraMaruProN-W4"/>
+              </a:rPr>
+              <a:t>    // テキストボックスの内容をViewModel経由で更新する</a:t>
+            </a:r>
+          </a:p>
+          <a:p>
+            <a:pPr lvl="0" rtl="0">
+              <a:lnSpc>
+                <a:spcPct val="115000"/>
+              </a:lnSpc>
+              <a:spcBef>
+                <a:spcPts val="0"/>
+              </a:spcBef>
+              <a:buNone/>
+            </a:pPr>
+            <a:r>
+              <a:rPr lang="ja" sz="1050">
+                <a:solidFill>
+                  <a:srgbClr val="434343"/>
+                </a:solidFill>
+                <a:latin typeface="HiraMaruProN-W4"/>
+                <a:ea typeface="HiraMaruProN-W4"/>
+                <a:cs typeface="HiraMaruProN-W4"/>
+                <a:sym typeface="HiraMaruProN-W4"/>
+              </a:rPr>
+              <a:t>    myViewModelObs.value("Text Box Change!");</a:t>
+            </a:r>
+          </a:p>
+          <a:p>
+            <a:pPr lvl="0" rtl="0">
+              <a:lnSpc>
+                <a:spcPct val="115000"/>
+              </a:lnSpc>
+              <a:spcBef>
+                <a:spcPts val="0"/>
+              </a:spcBef>
+              <a:buNone/>
+            </a:pPr>
+            <a:r>
+              <a:rPr lang="ja" sz="1050">
+                <a:solidFill>
+                  <a:srgbClr val="434343"/>
+                </a:solidFill>
+                <a:latin typeface="HiraMaruProN-W4"/>
+                <a:ea typeface="HiraMaruProN-W4"/>
+                <a:cs typeface="HiraMaruProN-W4"/>
+                <a:sym typeface="HiraMaruProN-W4"/>
+              </a:rPr>
+              <a:t>});</a:t>
             </a:r>
           </a:p>
         </p:txBody>
@@ -6276,7 +6345,7 @@
         </p:nvSpPr>
         <p:spPr>
           <a:xfrm>
-            <a:off x="4095250" y="3172425"/>
+            <a:off x="4095250" y="3401025"/>
             <a:ext cx="582599" cy="572699"/>
           </a:xfrm>
           <a:prstGeom prst="downArrow">
@@ -6325,7 +6394,7 @@
         </p:nvSpPr>
         <p:spPr>
           <a:xfrm>
-            <a:off x="2439750" y="4270800"/>
+            <a:off x="2439750" y="4423200"/>
             <a:ext cx="6162900" cy="339299"/>
           </a:xfrm>
           <a:prstGeom prst="rect">
@@ -6361,7 +6430,7 @@
                 <a:cs typeface="HiraMaruProN-W4"/>
                 <a:sym typeface="HiraMaruProN-W4"/>
               </a:rPr>
-              <a:t>&lt;input type="text" name="" value="" </a:t>
+              <a:t>&lt;input type="text" name="text" value="" </a:t>
             </a:r>
             <a:r>
               <a:rPr lang="ja" sz="1050">
@@ -6406,7 +6475,7 @@
         </p:blipFill>
         <p:spPr>
           <a:xfrm>
-            <a:off x="451650" y="3928900"/>
+            <a:off x="451650" y="4081300"/>
             <a:ext cx="8184002" cy="328250"/>
           </a:xfrm>
           <a:prstGeom prst="rect">
@@ -6598,7 +6667,7 @@
             <a:avLst/>
           </a:prstGeom>
           <a:solidFill>
-            <a:srgbClr val="D9D9D9"/>
+            <a:srgbClr val="EFEFEF"/>
           </a:solidFill>
           <a:ln>
             <a:noFill/>
@@ -6907,7 +6976,7 @@
         <p:spPr>
           <a:xfrm>
             <a:off x="311700" y="1152475"/>
-            <a:ext cx="8520599" cy="2798399"/>
+            <a:ext cx="8520599" cy="3618600"/>
           </a:xfrm>
           <a:prstGeom prst="rect">
             <a:avLst/>
@@ -6935,6 +7004,14 @@
               </a:rPr>
               <a:t>エンタープライズWebアプリを作成することを前提として考える。</a:t>
             </a:r>
+            <a:br>
+              <a:rPr lang="ja">
+                <a:latin typeface="HiraMaruProN-W4"/>
+                <a:ea typeface="HiraMaruProN-W4"/>
+                <a:cs typeface="HiraMaruProN-W4"/>
+                <a:sym typeface="HiraMaruProN-W4"/>
+              </a:rPr>
+            </a:br>
           </a:p>
           <a:p>
             <a:pPr indent="-228600" lvl="0" marL="457200" rtl="0">
@@ -6971,6 +7048,14 @@
               </a:rPr>
               <a:t>サーバーサイド、クライアントサイドのデータはjson形式とする。</a:t>
             </a:r>
+            <a:br>
+              <a:rPr lang="ja">
+                <a:latin typeface="HiraMaruProN-W4"/>
+                <a:ea typeface="HiraMaruProN-W4"/>
+                <a:cs typeface="HiraMaruProN-W4"/>
+                <a:sym typeface="HiraMaruProN-W4"/>
+              </a:rPr>
+            </a:br>
           </a:p>
           <a:p>
             <a:pPr indent="-228600" lvl="0" marL="457200" rtl="0">
@@ -6987,7 +7072,7 @@
                 <a:cs typeface="HiraMaruProN-W4"/>
                 <a:sym typeface="HiraMaruProN-W4"/>
               </a:rPr>
-              <a:t>マスタデータによる動的な画面情報の構築（selectタグなど）が必要な場合も、Ajax・jsonデータを利用することにする。</a:t>
+              <a:t>データの取得・検索・保存などは、全てAjaxを利用することにする。</a:t>
             </a:r>
           </a:p>
           <a:p>
@@ -7005,7 +7090,41 @@
                 <a:cs typeface="HiraMaruProN-W4"/>
                 <a:sym typeface="HiraMaruProN-W4"/>
               </a:rPr>
-              <a:t>データの取得・検索・保存などは、全てAjaxを利用することにする。</a:t>
+              <a:t>マスタデータによる動的な画面情報の構築（selectタグなど）が必要な場合も、Ajax・jsonデータを利用することにする。</a:t>
+            </a:r>
+          </a:p>
+          <a:p>
+            <a:pPr lvl="0" rtl="0">
+              <a:spcBef>
+                <a:spcPts val="0"/>
+              </a:spcBef>
+              <a:buNone/>
+            </a:pPr>
+            <a:r>
+              <a:rPr lang="ja" sz="1200">
+                <a:latin typeface="HiraMaruProN-W4"/>
+                <a:ea typeface="HiraMaruProN-W4"/>
+                <a:cs typeface="HiraMaruProN-W4"/>
+                <a:sym typeface="HiraMaruProN-W4"/>
+              </a:rPr>
+              <a:t>※上記は、フルAjaxを適用する場合の前提となるが、機能の一部でAjaxを使う場合においても、本方針を適用する。</a:t>
+            </a:r>
+            <a:br>
+              <a:rPr lang="ja" sz="1200">
+                <a:latin typeface="HiraMaruProN-W4"/>
+                <a:ea typeface="HiraMaruProN-W4"/>
+                <a:cs typeface="HiraMaruProN-W4"/>
+                <a:sym typeface="HiraMaruProN-W4"/>
+              </a:rPr>
+            </a:br>
+            <a:r>
+              <a:rPr lang="ja" sz="1200">
+                <a:latin typeface="HiraMaruProN-W4"/>
+                <a:ea typeface="HiraMaruProN-W4"/>
+                <a:cs typeface="HiraMaruProN-W4"/>
+                <a:sym typeface="HiraMaruProN-W4"/>
+              </a:rPr>
+              <a:t>　ただし、Knockout.jsから受けられるメリットが半減することに注意すること。</a:t>
             </a:r>
           </a:p>
         </p:txBody>
@@ -7276,7 +7395,7 @@
                 <a:cs typeface="HiraMaruProN-W4"/>
                 <a:sym typeface="HiraMaruProN-W4"/>
               </a:rPr>
-              <a:t>ViewModelの各プロパティにobservableを適用するのは非常に面倒。よって、Mappingプラグインを必ず使うこと。</a:t>
+              <a:t>ViewModelの各プロパティに双方向バインディング（observable）を適用するのは非常に面倒。よって、Mappingプラグインを必ず使うこと。</a:t>
             </a:r>
           </a:p>
           <a:p>
@@ -7394,7 +7513,7 @@
             <a:avLst/>
           </a:prstGeom>
           <a:solidFill>
-            <a:srgbClr val="D9D9D9"/>
+            <a:srgbClr val="EFEFEF"/>
           </a:solidFill>
           <a:ln>
             <a:noFill/>
@@ -7798,7 +7917,7 @@
           <a:solidFill>
             <a:srgbClr val="FFFFFF"/>
           </a:solidFill>
-          <a:ln cap="flat" cmpd="sng" w="9525">
+          <a:ln cap="flat" cmpd="sng" w="38100">
             <a:solidFill>
               <a:schemeClr val="dk2"/>
             </a:solidFill>
@@ -7814,7 +7933,7 @@
           </a:bodyPr>
           <a:lstStyle/>
           <a:p>
-            <a:pPr lvl="0">
+            <a:pPr lvl="0" algn="ctr">
               <a:spcBef>
                 <a:spcPts val="0"/>
               </a:spcBef>
@@ -7919,7 +8038,7 @@
             <a:avLst/>
           </a:prstGeom>
           <a:solidFill>
-            <a:srgbClr val="D9D9D9"/>
+            <a:srgbClr val="EFEFEF"/>
           </a:solidFill>
           <a:ln>
             <a:noFill/>
@@ -8206,7 +8325,7 @@
           <a:solidFill>
             <a:srgbClr val="FFFFFF"/>
           </a:solidFill>
-          <a:ln cap="flat" cmpd="sng" w="9525">
+          <a:ln cap="flat" cmpd="sng" w="38100">
             <a:solidFill>
               <a:schemeClr val="dk2"/>
             </a:solidFill>
@@ -8222,7 +8341,7 @@
           </a:bodyPr>
           <a:lstStyle/>
           <a:p>
-            <a:pPr lvl="0" rtl="0">
+            <a:pPr lvl="0" rtl="0" algn="ctr">
               <a:spcBef>
                 <a:spcPts val="0"/>
               </a:spcBef>
@@ -8717,7 +8836,7 @@
                 <a:cs typeface="HiraMaruProN-W4"/>
                 <a:sym typeface="HiraMaruProN-W4"/>
               </a:rPr>
-              <a:t>イベントが発生して、javascript処理が実行される。その際にViewModelなどが編集されることで、UIも同時に更新される</a:t>
+              <a:t>何らかのイベントが発生して、javascript処理が実行される。その際にViewModelなどが編集されることで、UIも同時に更新される</a:t>
             </a:r>
           </a:p>
           <a:p>
